--- a/hybridGEOTABS/Presentations/Modelica Introduction.pptx
+++ b/hybridGEOTABS/Presentations/Modelica Introduction.pptx
@@ -305,7 +305,7 @@
               <a:pPr>
                 <a:defRPr/>
               </a:pPr>
-              <a:t>27/04/2017</a:t>
+              <a:t>02/05/2017</a:t>
             </a:fld>
             <a:endParaRPr lang="en-GB"/>
           </a:p>
@@ -661,17 +661,7 @@
           <a:p>
             <a:r>
               <a:rPr lang="gl-ES" dirty="0" smtClean="0"/>
-              <a:t>A-causal</a:t>
-            </a:r>
-            <a:r>
-              <a:rPr lang="gl-ES" baseline="0" dirty="0" smtClean="0"/>
-              <a:t> modeling: Declarative languages just require the developer to define the problem at a higher level and leaves the solution to the simulation tool</a:t>
-            </a:r>
-          </a:p>
-          <a:p>
-            <a:r>
-              <a:rPr lang="gl-ES" baseline="0" dirty="0" smtClean="0"/>
-              <a:t>Block-oriented modeling: Procedural programs require the developer to define the order that calculations are to be done in</a:t>
+              <a:t>This course is for YOU. We can drive the course towards your needs, or what you think it is better for you.</a:t>
             </a:r>
             <a:endParaRPr lang="en-US" dirty="0"/>
           </a:p>
@@ -700,7 +690,7 @@
               <a:pPr>
                 <a:defRPr/>
               </a:pPr>
-              <a:t>9</a:t>
+              <a:t>1</a:t>
             </a:fld>
             <a:endParaRPr lang="en-GB"/>
           </a:p>
@@ -709,7 +699,1028 @@
     </p:spTree>
     <p:extLst>
       <p:ext uri="{BB962C8B-B14F-4D97-AF65-F5344CB8AC3E}">
-        <p14:creationId xmlns:p14="http://schemas.microsoft.com/office/powerpoint/2010/main" val="3552275882"/>
+        <p14:creationId xmlns:p14="http://schemas.microsoft.com/office/powerpoint/2010/main" val="1086580477"/>
+      </p:ext>
+    </p:extLst>
+  </p:cSld>
+  <p:clrMapOvr>
+    <a:masterClrMapping/>
+  </p:clrMapOvr>
+</p:notes>
+</file>
+
+<file path=ppt/notesSlides/notesSlide10.xml><?xml version="1.0" encoding="utf-8"?>
+<p:notes xmlns:a="http://schemas.openxmlformats.org/drawingml/2006/main" xmlns:r="http://schemas.openxmlformats.org/officeDocument/2006/relationships" xmlns:p="http://schemas.openxmlformats.org/presentationml/2006/main">
+  <p:cSld>
+    <p:spTree>
+      <p:nvGrpSpPr>
+        <p:cNvPr id="1" name=""/>
+        <p:cNvGrpSpPr/>
+        <p:nvPr/>
+      </p:nvGrpSpPr>
+      <p:grpSpPr>
+        <a:xfrm>
+          <a:off x="0" y="0"/>
+          <a:ext cx="0" cy="0"/>
+          <a:chOff x="0" y="0"/>
+          <a:chExt cx="0" cy="0"/>
+        </a:xfrm>
+      </p:grpSpPr>
+      <p:sp>
+        <p:nvSpPr>
+          <p:cNvPr id="2" name="Slide Image Placeholder 1"/>
+          <p:cNvSpPr>
+            <a:spLocks noGrp="1" noRot="1" noChangeAspect="1"/>
+          </p:cNvSpPr>
+          <p:nvPr>
+            <p:ph type="sldImg"/>
+          </p:nvPr>
+        </p:nvSpPr>
+        <p:spPr/>
+      </p:sp>
+      <p:sp>
+        <p:nvSpPr>
+          <p:cNvPr id="3" name="Notes Placeholder 2"/>
+          <p:cNvSpPr>
+            <a:spLocks noGrp="1"/>
+          </p:cNvSpPr>
+          <p:nvPr>
+            <p:ph type="body" idx="1"/>
+          </p:nvPr>
+        </p:nvSpPr>
+        <p:spPr/>
+        <p:txBody>
+          <a:bodyPr/>
+          <a:lstStyle/>
+          <a:p>
+            <a:r>
+              <a:rPr lang="gl-ES" dirty="0" smtClean="0"/>
+              <a:t>We cannot connect,</a:t>
+            </a:r>
+            <a:r>
+              <a:rPr lang="gl-ES" baseline="0" dirty="0" smtClean="0"/>
+              <a:t> for example, an electrical line with a heat flow</a:t>
+            </a:r>
+            <a:endParaRPr lang="en-US" dirty="0"/>
+          </a:p>
+        </p:txBody>
+      </p:sp>
+      <p:sp>
+        <p:nvSpPr>
+          <p:cNvPr id="4" name="Slide Number Placeholder 3"/>
+          <p:cNvSpPr>
+            <a:spLocks noGrp="1"/>
+          </p:cNvSpPr>
+          <p:nvPr>
+            <p:ph type="sldNum" sz="quarter" idx="10"/>
+          </p:nvPr>
+        </p:nvSpPr>
+        <p:spPr/>
+        <p:txBody>
+          <a:bodyPr/>
+          <a:lstStyle/>
+          <a:p>
+            <a:pPr>
+              <a:defRPr/>
+            </a:pPr>
+            <a:fld id="{76F0AFAE-E0DF-4756-9D50-97DCD3BB6F0C}" type="slidenum">
+              <a:rPr lang="en-GB" smtClean="0"/>
+              <a:pPr>
+                <a:defRPr/>
+              </a:pPr>
+              <a:t>16</a:t>
+            </a:fld>
+            <a:endParaRPr lang="en-GB"/>
+          </a:p>
+        </p:txBody>
+      </p:sp>
+    </p:spTree>
+    <p:extLst>
+      <p:ext uri="{BB962C8B-B14F-4D97-AF65-F5344CB8AC3E}">
+        <p14:creationId xmlns:p14="http://schemas.microsoft.com/office/powerpoint/2010/main" val="2888813612"/>
+      </p:ext>
+    </p:extLst>
+  </p:cSld>
+  <p:clrMapOvr>
+    <a:masterClrMapping/>
+  </p:clrMapOvr>
+</p:notes>
+</file>
+
+<file path=ppt/notesSlides/notesSlide11.xml><?xml version="1.0" encoding="utf-8"?>
+<p:notes xmlns:a="http://schemas.openxmlformats.org/drawingml/2006/main" xmlns:r="http://schemas.openxmlformats.org/officeDocument/2006/relationships" xmlns:p="http://schemas.openxmlformats.org/presentationml/2006/main">
+  <p:cSld>
+    <p:spTree>
+      <p:nvGrpSpPr>
+        <p:cNvPr id="1" name=""/>
+        <p:cNvGrpSpPr/>
+        <p:nvPr/>
+      </p:nvGrpSpPr>
+      <p:grpSpPr>
+        <a:xfrm>
+          <a:off x="0" y="0"/>
+          <a:ext cx="0" cy="0"/>
+          <a:chOff x="0" y="0"/>
+          <a:chExt cx="0" cy="0"/>
+        </a:xfrm>
+      </p:grpSpPr>
+      <p:sp>
+        <p:nvSpPr>
+          <p:cNvPr id="2" name="Slide Image Placeholder 1"/>
+          <p:cNvSpPr>
+            <a:spLocks noGrp="1" noRot="1" noChangeAspect="1"/>
+          </p:cNvSpPr>
+          <p:nvPr>
+            <p:ph type="sldImg"/>
+          </p:nvPr>
+        </p:nvSpPr>
+        <p:spPr/>
+      </p:sp>
+      <p:sp>
+        <p:nvSpPr>
+          <p:cNvPr id="3" name="Notes Placeholder 2"/>
+          <p:cNvSpPr>
+            <a:spLocks noGrp="1"/>
+          </p:cNvSpPr>
+          <p:nvPr>
+            <p:ph type="body" idx="1"/>
+          </p:nvPr>
+        </p:nvSpPr>
+        <p:spPr/>
+        <p:txBody>
+          <a:bodyPr/>
+          <a:lstStyle/>
+          <a:p>
+            <a:r>
+              <a:rPr lang="gl-ES" dirty="0" smtClean="0"/>
+              <a:t>Electrical:</a:t>
+            </a:r>
+            <a:r>
+              <a:rPr lang="gl-ES" baseline="0" dirty="0" smtClean="0"/>
+              <a:t> flow variable is current, potential variable is voltage</a:t>
+            </a:r>
+          </a:p>
+          <a:p>
+            <a:r>
+              <a:rPr lang="gl-ES" baseline="0" dirty="0" smtClean="0"/>
+              <a:t>Mechanical: flow variable is force, potential variable is position</a:t>
+            </a:r>
+          </a:p>
+          <a:p>
+            <a:r>
+              <a:rPr lang="gl-ES" baseline="0" dirty="0" smtClean="0"/>
+              <a:t>Thermal: flow variable is heat flow, potential variable is temperature</a:t>
+            </a:r>
+          </a:p>
+          <a:p>
+            <a:endParaRPr lang="gl-ES" baseline="0" dirty="0" smtClean="0"/>
+          </a:p>
+          <a:p>
+            <a:r>
+              <a:rPr lang="gl-ES" baseline="0" dirty="0" smtClean="0"/>
+              <a:t>Connect two components is equal as applying Kirchoff equations</a:t>
+            </a:r>
+            <a:endParaRPr lang="en-US" dirty="0"/>
+          </a:p>
+        </p:txBody>
+      </p:sp>
+      <p:sp>
+        <p:nvSpPr>
+          <p:cNvPr id="4" name="Slide Number Placeholder 3"/>
+          <p:cNvSpPr>
+            <a:spLocks noGrp="1"/>
+          </p:cNvSpPr>
+          <p:nvPr>
+            <p:ph type="sldNum" sz="quarter" idx="10"/>
+          </p:nvPr>
+        </p:nvSpPr>
+        <p:spPr/>
+        <p:txBody>
+          <a:bodyPr/>
+          <a:lstStyle/>
+          <a:p>
+            <a:pPr>
+              <a:defRPr/>
+            </a:pPr>
+            <a:fld id="{76F0AFAE-E0DF-4756-9D50-97DCD3BB6F0C}" type="slidenum">
+              <a:rPr lang="en-GB" smtClean="0"/>
+              <a:pPr>
+                <a:defRPr/>
+              </a:pPr>
+              <a:t>17</a:t>
+            </a:fld>
+            <a:endParaRPr lang="en-GB"/>
+          </a:p>
+        </p:txBody>
+      </p:sp>
+    </p:spTree>
+    <p:extLst>
+      <p:ext uri="{BB962C8B-B14F-4D97-AF65-F5344CB8AC3E}">
+        <p14:creationId xmlns:p14="http://schemas.microsoft.com/office/powerpoint/2010/main" val="275121522"/>
+      </p:ext>
+    </p:extLst>
+  </p:cSld>
+  <p:clrMapOvr>
+    <a:masterClrMapping/>
+  </p:clrMapOvr>
+</p:notes>
+</file>
+
+<file path=ppt/notesSlides/notesSlide12.xml><?xml version="1.0" encoding="utf-8"?>
+<p:notes xmlns:a="http://schemas.openxmlformats.org/drawingml/2006/main" xmlns:r="http://schemas.openxmlformats.org/officeDocument/2006/relationships" xmlns:p="http://schemas.openxmlformats.org/presentationml/2006/main">
+  <p:cSld>
+    <p:spTree>
+      <p:nvGrpSpPr>
+        <p:cNvPr id="1" name=""/>
+        <p:cNvGrpSpPr/>
+        <p:nvPr/>
+      </p:nvGrpSpPr>
+      <p:grpSpPr>
+        <a:xfrm>
+          <a:off x="0" y="0"/>
+          <a:ext cx="0" cy="0"/>
+          <a:chOff x="0" y="0"/>
+          <a:chExt cx="0" cy="0"/>
+        </a:xfrm>
+      </p:grpSpPr>
+      <p:sp>
+        <p:nvSpPr>
+          <p:cNvPr id="2" name="Slide Image Placeholder 1"/>
+          <p:cNvSpPr>
+            <a:spLocks noGrp="1" noRot="1" noChangeAspect="1"/>
+          </p:cNvSpPr>
+          <p:nvPr>
+            <p:ph type="sldImg"/>
+          </p:nvPr>
+        </p:nvSpPr>
+        <p:spPr/>
+      </p:sp>
+      <p:sp>
+        <p:nvSpPr>
+          <p:cNvPr id="3" name="Notes Placeholder 2"/>
+          <p:cNvSpPr>
+            <a:spLocks noGrp="1"/>
+          </p:cNvSpPr>
+          <p:nvPr>
+            <p:ph type="body" idx="1"/>
+          </p:nvPr>
+        </p:nvSpPr>
+        <p:spPr/>
+        <p:txBody>
+          <a:bodyPr/>
+          <a:lstStyle/>
+          <a:p>
+            <a:r>
+              <a:rPr lang="gl-ES" dirty="0" smtClean="0"/>
+              <a:t>When we have a</a:t>
+            </a:r>
+            <a:r>
+              <a:rPr lang="gl-ES" baseline="0" dirty="0" smtClean="0"/>
+              <a:t> model defined, we can drag that model as a subcomponent to other model as an instance</a:t>
+            </a:r>
+            <a:endParaRPr lang="gl-ES" dirty="0" smtClean="0"/>
+          </a:p>
+          <a:p>
+            <a:endParaRPr lang="gl-ES" dirty="0" smtClean="0"/>
+          </a:p>
+          <a:p>
+            <a:r>
+              <a:rPr lang="gl-ES" dirty="0" smtClean="0"/>
+              <a:t>When defining variables and parameters, you can state a protected paragraph</a:t>
+            </a:r>
+            <a:endParaRPr lang="en-US" dirty="0"/>
+          </a:p>
+        </p:txBody>
+      </p:sp>
+      <p:sp>
+        <p:nvSpPr>
+          <p:cNvPr id="4" name="Slide Number Placeholder 3"/>
+          <p:cNvSpPr>
+            <a:spLocks noGrp="1"/>
+          </p:cNvSpPr>
+          <p:nvPr>
+            <p:ph type="sldNum" sz="quarter" idx="10"/>
+          </p:nvPr>
+        </p:nvSpPr>
+        <p:spPr/>
+        <p:txBody>
+          <a:bodyPr/>
+          <a:lstStyle/>
+          <a:p>
+            <a:pPr>
+              <a:defRPr/>
+            </a:pPr>
+            <a:fld id="{76F0AFAE-E0DF-4756-9D50-97DCD3BB6F0C}" type="slidenum">
+              <a:rPr lang="en-GB" smtClean="0"/>
+              <a:pPr>
+                <a:defRPr/>
+              </a:pPr>
+              <a:t>18</a:t>
+            </a:fld>
+            <a:endParaRPr lang="en-GB"/>
+          </a:p>
+        </p:txBody>
+      </p:sp>
+    </p:spTree>
+    <p:extLst>
+      <p:ext uri="{BB962C8B-B14F-4D97-AF65-F5344CB8AC3E}">
+        <p14:creationId xmlns:p14="http://schemas.microsoft.com/office/powerpoint/2010/main" val="4133677482"/>
+      </p:ext>
+    </p:extLst>
+  </p:cSld>
+  <p:clrMapOvr>
+    <a:masterClrMapping/>
+  </p:clrMapOvr>
+</p:notes>
+</file>
+
+<file path=ppt/notesSlides/notesSlide13.xml><?xml version="1.0" encoding="utf-8"?>
+<p:notes xmlns:a="http://schemas.openxmlformats.org/drawingml/2006/main" xmlns:r="http://schemas.openxmlformats.org/officeDocument/2006/relationships" xmlns:p="http://schemas.openxmlformats.org/presentationml/2006/main">
+  <p:cSld>
+    <p:spTree>
+      <p:nvGrpSpPr>
+        <p:cNvPr id="1" name=""/>
+        <p:cNvGrpSpPr/>
+        <p:nvPr/>
+      </p:nvGrpSpPr>
+      <p:grpSpPr>
+        <a:xfrm>
+          <a:off x="0" y="0"/>
+          <a:ext cx="0" cy="0"/>
+          <a:chOff x="0" y="0"/>
+          <a:chExt cx="0" cy="0"/>
+        </a:xfrm>
+      </p:grpSpPr>
+      <p:sp>
+        <p:nvSpPr>
+          <p:cNvPr id="2" name="Slide Image Placeholder 1"/>
+          <p:cNvSpPr>
+            <a:spLocks noGrp="1" noRot="1" noChangeAspect="1"/>
+          </p:cNvSpPr>
+          <p:nvPr>
+            <p:ph type="sldImg"/>
+          </p:nvPr>
+        </p:nvSpPr>
+        <p:spPr/>
+      </p:sp>
+      <p:sp>
+        <p:nvSpPr>
+          <p:cNvPr id="3" name="Notes Placeholder 2"/>
+          <p:cNvSpPr>
+            <a:spLocks noGrp="1"/>
+          </p:cNvSpPr>
+          <p:nvPr>
+            <p:ph type="body" idx="1"/>
+          </p:nvPr>
+        </p:nvSpPr>
+        <p:spPr/>
+        <p:txBody>
+          <a:bodyPr/>
+          <a:lstStyle/>
+          <a:p>
+            <a:r>
+              <a:rPr lang="gl-ES" dirty="0" smtClean="0"/>
+              <a:t>With partial model we define</a:t>
+            </a:r>
+            <a:r>
+              <a:rPr lang="gl-ES" baseline="0" dirty="0" smtClean="0"/>
+              <a:t> a model that is not completed, thus when extending it will need some extra information</a:t>
+            </a:r>
+            <a:endParaRPr lang="en-US" dirty="0"/>
+          </a:p>
+        </p:txBody>
+      </p:sp>
+      <p:sp>
+        <p:nvSpPr>
+          <p:cNvPr id="4" name="Slide Number Placeholder 3"/>
+          <p:cNvSpPr>
+            <a:spLocks noGrp="1"/>
+          </p:cNvSpPr>
+          <p:nvPr>
+            <p:ph type="sldNum" sz="quarter" idx="10"/>
+          </p:nvPr>
+        </p:nvSpPr>
+        <p:spPr/>
+        <p:txBody>
+          <a:bodyPr/>
+          <a:lstStyle/>
+          <a:p>
+            <a:pPr>
+              <a:defRPr/>
+            </a:pPr>
+            <a:fld id="{76F0AFAE-E0DF-4756-9D50-97DCD3BB6F0C}" type="slidenum">
+              <a:rPr lang="en-GB" smtClean="0"/>
+              <a:pPr>
+                <a:defRPr/>
+              </a:pPr>
+              <a:t>19</a:t>
+            </a:fld>
+            <a:endParaRPr lang="en-GB"/>
+          </a:p>
+        </p:txBody>
+      </p:sp>
+    </p:spTree>
+    <p:extLst>
+      <p:ext uri="{BB962C8B-B14F-4D97-AF65-F5344CB8AC3E}">
+        <p14:creationId xmlns:p14="http://schemas.microsoft.com/office/powerpoint/2010/main" val="1826976993"/>
+      </p:ext>
+    </p:extLst>
+  </p:cSld>
+  <p:clrMapOvr>
+    <a:masterClrMapping/>
+  </p:clrMapOvr>
+</p:notes>
+</file>
+
+<file path=ppt/notesSlides/notesSlide14.xml><?xml version="1.0" encoding="utf-8"?>
+<p:notes xmlns:a="http://schemas.openxmlformats.org/drawingml/2006/main" xmlns:r="http://schemas.openxmlformats.org/officeDocument/2006/relationships" xmlns:p="http://schemas.openxmlformats.org/presentationml/2006/main">
+  <p:cSld>
+    <p:spTree>
+      <p:nvGrpSpPr>
+        <p:cNvPr id="1" name=""/>
+        <p:cNvGrpSpPr/>
+        <p:nvPr/>
+      </p:nvGrpSpPr>
+      <p:grpSpPr>
+        <a:xfrm>
+          <a:off x="0" y="0"/>
+          <a:ext cx="0" cy="0"/>
+          <a:chOff x="0" y="0"/>
+          <a:chExt cx="0" cy="0"/>
+        </a:xfrm>
+      </p:grpSpPr>
+      <p:sp>
+        <p:nvSpPr>
+          <p:cNvPr id="2" name="Slide Image Placeholder 1"/>
+          <p:cNvSpPr>
+            <a:spLocks noGrp="1" noRot="1" noChangeAspect="1"/>
+          </p:cNvSpPr>
+          <p:nvPr>
+            <p:ph type="sldImg"/>
+          </p:nvPr>
+        </p:nvSpPr>
+        <p:spPr/>
+      </p:sp>
+      <p:sp>
+        <p:nvSpPr>
+          <p:cNvPr id="3" name="Notes Placeholder 2"/>
+          <p:cNvSpPr>
+            <a:spLocks noGrp="1"/>
+          </p:cNvSpPr>
+          <p:nvPr>
+            <p:ph type="body" idx="1"/>
+          </p:nvPr>
+        </p:nvSpPr>
+        <p:spPr/>
+        <p:txBody>
+          <a:bodyPr/>
+          <a:lstStyle/>
+          <a:p>
+            <a:r>
+              <a:rPr lang="gl-ES" dirty="0" smtClean="0"/>
+              <a:t>For CelestialBody</a:t>
+            </a:r>
+            <a:r>
+              <a:rPr lang="gl-ES" baseline="0" dirty="0" smtClean="0"/>
+              <a:t> we will need equations for mass, name and radius</a:t>
+            </a:r>
+          </a:p>
+          <a:p>
+            <a:r>
+              <a:rPr lang="gl-ES" baseline="0" dirty="0" smtClean="0"/>
+              <a:t>For Rocket we will need 3 more equations: name, thrust and gravity</a:t>
+            </a:r>
+            <a:endParaRPr lang="en-US" dirty="0"/>
+          </a:p>
+        </p:txBody>
+      </p:sp>
+      <p:sp>
+        <p:nvSpPr>
+          <p:cNvPr id="4" name="Slide Number Placeholder 3"/>
+          <p:cNvSpPr>
+            <a:spLocks noGrp="1"/>
+          </p:cNvSpPr>
+          <p:nvPr>
+            <p:ph type="sldNum" sz="quarter" idx="10"/>
+          </p:nvPr>
+        </p:nvSpPr>
+        <p:spPr/>
+        <p:txBody>
+          <a:bodyPr/>
+          <a:lstStyle/>
+          <a:p>
+            <a:pPr>
+              <a:defRPr/>
+            </a:pPr>
+            <a:fld id="{76F0AFAE-E0DF-4756-9D50-97DCD3BB6F0C}" type="slidenum">
+              <a:rPr lang="en-GB" smtClean="0"/>
+              <a:pPr>
+                <a:defRPr/>
+              </a:pPr>
+              <a:t>20</a:t>
+            </a:fld>
+            <a:endParaRPr lang="en-GB"/>
+          </a:p>
+        </p:txBody>
+      </p:sp>
+    </p:spTree>
+    <p:extLst>
+      <p:ext uri="{BB962C8B-B14F-4D97-AF65-F5344CB8AC3E}">
+        <p14:creationId xmlns:p14="http://schemas.microsoft.com/office/powerpoint/2010/main" val="982263083"/>
+      </p:ext>
+    </p:extLst>
+  </p:cSld>
+  <p:clrMapOvr>
+    <a:masterClrMapping/>
+  </p:clrMapOvr>
+</p:notes>
+</file>
+
+<file path=ppt/notesSlides/notesSlide15.xml><?xml version="1.0" encoding="utf-8"?>
+<p:notes xmlns:a="http://schemas.openxmlformats.org/drawingml/2006/main" xmlns:r="http://schemas.openxmlformats.org/officeDocument/2006/relationships" xmlns:p="http://schemas.openxmlformats.org/presentationml/2006/main">
+  <p:cSld>
+    <p:spTree>
+      <p:nvGrpSpPr>
+        <p:cNvPr id="1" name=""/>
+        <p:cNvGrpSpPr/>
+        <p:nvPr/>
+      </p:nvGrpSpPr>
+      <p:grpSpPr>
+        <a:xfrm>
+          <a:off x="0" y="0"/>
+          <a:ext cx="0" cy="0"/>
+          <a:chOff x="0" y="0"/>
+          <a:chExt cx="0" cy="0"/>
+        </a:xfrm>
+      </p:grpSpPr>
+      <p:sp>
+        <p:nvSpPr>
+          <p:cNvPr id="2" name="Slide Image Placeholder 1"/>
+          <p:cNvSpPr>
+            <a:spLocks noGrp="1" noRot="1" noChangeAspect="1"/>
+          </p:cNvSpPr>
+          <p:nvPr>
+            <p:ph type="sldImg"/>
+          </p:nvPr>
+        </p:nvSpPr>
+        <p:spPr/>
+      </p:sp>
+      <p:sp>
+        <p:nvSpPr>
+          <p:cNvPr id="3" name="Notes Placeholder 2"/>
+          <p:cNvSpPr>
+            <a:spLocks noGrp="1"/>
+          </p:cNvSpPr>
+          <p:nvPr>
+            <p:ph type="body" idx="1"/>
+          </p:nvPr>
+        </p:nvSpPr>
+        <p:spPr/>
+        <p:txBody>
+          <a:bodyPr/>
+          <a:lstStyle/>
+          <a:p>
+            <a:r>
+              <a:rPr lang="gl-ES" dirty="0" smtClean="0"/>
+              <a:t>In</a:t>
+            </a:r>
+            <a:r>
+              <a:rPr lang="gl-ES" baseline="0" dirty="0" smtClean="0"/>
+              <a:t> moond landing we define the remaining parameters: both names, and thrust and gravity for Rocket</a:t>
+            </a:r>
+          </a:p>
+          <a:p>
+            <a:r>
+              <a:rPr lang="gl-ES" baseline="0" dirty="0" smtClean="0"/>
+              <a:t>Notice the dot notation</a:t>
+            </a:r>
+            <a:endParaRPr lang="en-US" dirty="0"/>
+          </a:p>
+        </p:txBody>
+      </p:sp>
+      <p:sp>
+        <p:nvSpPr>
+          <p:cNvPr id="4" name="Slide Number Placeholder 3"/>
+          <p:cNvSpPr>
+            <a:spLocks noGrp="1"/>
+          </p:cNvSpPr>
+          <p:nvPr>
+            <p:ph type="sldNum" sz="quarter" idx="10"/>
+          </p:nvPr>
+        </p:nvSpPr>
+        <p:spPr/>
+        <p:txBody>
+          <a:bodyPr/>
+          <a:lstStyle/>
+          <a:p>
+            <a:pPr>
+              <a:defRPr/>
+            </a:pPr>
+            <a:fld id="{76F0AFAE-E0DF-4756-9D50-97DCD3BB6F0C}" type="slidenum">
+              <a:rPr lang="en-GB" smtClean="0"/>
+              <a:pPr>
+                <a:defRPr/>
+              </a:pPr>
+              <a:t>21</a:t>
+            </a:fld>
+            <a:endParaRPr lang="en-GB"/>
+          </a:p>
+        </p:txBody>
+      </p:sp>
+    </p:spTree>
+    <p:extLst>
+      <p:ext uri="{BB962C8B-B14F-4D97-AF65-F5344CB8AC3E}">
+        <p14:creationId xmlns:p14="http://schemas.microsoft.com/office/powerpoint/2010/main" val="3872579604"/>
+      </p:ext>
+    </p:extLst>
+  </p:cSld>
+  <p:clrMapOvr>
+    <a:masterClrMapping/>
+  </p:clrMapOvr>
+</p:notes>
+</file>
+
+<file path=ppt/notesSlides/notesSlide16.xml><?xml version="1.0" encoding="utf-8"?>
+<p:notes xmlns:a="http://schemas.openxmlformats.org/drawingml/2006/main" xmlns:r="http://schemas.openxmlformats.org/officeDocument/2006/relationships" xmlns:p="http://schemas.openxmlformats.org/presentationml/2006/main">
+  <p:cSld>
+    <p:spTree>
+      <p:nvGrpSpPr>
+        <p:cNvPr id="1" name=""/>
+        <p:cNvGrpSpPr/>
+        <p:nvPr/>
+      </p:nvGrpSpPr>
+      <p:grpSpPr>
+        <a:xfrm>
+          <a:off x="0" y="0"/>
+          <a:ext cx="0" cy="0"/>
+          <a:chOff x="0" y="0"/>
+          <a:chExt cx="0" cy="0"/>
+        </a:xfrm>
+      </p:grpSpPr>
+      <p:sp>
+        <p:nvSpPr>
+          <p:cNvPr id="2" name="Slide Image Placeholder 1"/>
+          <p:cNvSpPr>
+            <a:spLocks noGrp="1" noRot="1" noChangeAspect="1"/>
+          </p:cNvSpPr>
+          <p:nvPr>
+            <p:ph type="sldImg"/>
+          </p:nvPr>
+        </p:nvSpPr>
+        <p:spPr/>
+      </p:sp>
+      <p:sp>
+        <p:nvSpPr>
+          <p:cNvPr id="3" name="Notes Placeholder 2"/>
+          <p:cNvSpPr>
+            <a:spLocks noGrp="1"/>
+          </p:cNvSpPr>
+          <p:nvPr>
+            <p:ph type="body" idx="1"/>
+          </p:nvPr>
+        </p:nvSpPr>
+        <p:spPr/>
+        <p:txBody>
+          <a:bodyPr/>
+          <a:lstStyle/>
+          <a:p>
+            <a:r>
+              <a:rPr lang="gl-ES" dirty="0" smtClean="0"/>
+              <a:t>Another example of inheritance</a:t>
+            </a:r>
+            <a:endParaRPr lang="en-US" dirty="0"/>
+          </a:p>
+        </p:txBody>
+      </p:sp>
+      <p:sp>
+        <p:nvSpPr>
+          <p:cNvPr id="4" name="Slide Number Placeholder 3"/>
+          <p:cNvSpPr>
+            <a:spLocks noGrp="1"/>
+          </p:cNvSpPr>
+          <p:nvPr>
+            <p:ph type="sldNum" sz="quarter" idx="10"/>
+          </p:nvPr>
+        </p:nvSpPr>
+        <p:spPr/>
+        <p:txBody>
+          <a:bodyPr/>
+          <a:lstStyle/>
+          <a:p>
+            <a:pPr>
+              <a:defRPr/>
+            </a:pPr>
+            <a:fld id="{76F0AFAE-E0DF-4756-9D50-97DCD3BB6F0C}" type="slidenum">
+              <a:rPr lang="en-GB" smtClean="0"/>
+              <a:pPr>
+                <a:defRPr/>
+              </a:pPr>
+              <a:t>22</a:t>
+            </a:fld>
+            <a:endParaRPr lang="en-GB"/>
+          </a:p>
+        </p:txBody>
+      </p:sp>
+    </p:spTree>
+    <p:extLst>
+      <p:ext uri="{BB962C8B-B14F-4D97-AF65-F5344CB8AC3E}">
+        <p14:creationId xmlns:p14="http://schemas.microsoft.com/office/powerpoint/2010/main" val="3027267108"/>
+      </p:ext>
+    </p:extLst>
+  </p:cSld>
+  <p:clrMapOvr>
+    <a:masterClrMapping/>
+  </p:clrMapOvr>
+</p:notes>
+</file>
+
+<file path=ppt/notesSlides/notesSlide17.xml><?xml version="1.0" encoding="utf-8"?>
+<p:notes xmlns:a="http://schemas.openxmlformats.org/drawingml/2006/main" xmlns:r="http://schemas.openxmlformats.org/officeDocument/2006/relationships" xmlns:p="http://schemas.openxmlformats.org/presentationml/2006/main">
+  <p:cSld>
+    <p:spTree>
+      <p:nvGrpSpPr>
+        <p:cNvPr id="1" name=""/>
+        <p:cNvGrpSpPr/>
+        <p:nvPr/>
+      </p:nvGrpSpPr>
+      <p:grpSpPr>
+        <a:xfrm>
+          <a:off x="0" y="0"/>
+          <a:ext cx="0" cy="0"/>
+          <a:chOff x="0" y="0"/>
+          <a:chExt cx="0" cy="0"/>
+        </a:xfrm>
+      </p:grpSpPr>
+      <p:sp>
+        <p:nvSpPr>
+          <p:cNvPr id="2" name="Slide Image Placeholder 1"/>
+          <p:cNvSpPr>
+            <a:spLocks noGrp="1" noRot="1" noChangeAspect="1"/>
+          </p:cNvSpPr>
+          <p:nvPr>
+            <p:ph type="sldImg"/>
+          </p:nvPr>
+        </p:nvSpPr>
+        <p:spPr/>
+      </p:sp>
+      <p:sp>
+        <p:nvSpPr>
+          <p:cNvPr id="3" name="Notes Placeholder 2"/>
+          <p:cNvSpPr>
+            <a:spLocks noGrp="1"/>
+          </p:cNvSpPr>
+          <p:nvPr>
+            <p:ph type="body" idx="1"/>
+          </p:nvPr>
+        </p:nvSpPr>
+        <p:spPr/>
+        <p:txBody>
+          <a:bodyPr/>
+          <a:lstStyle/>
+          <a:p>
+            <a:r>
+              <a:rPr lang="gl-ES" dirty="0" smtClean="0"/>
+              <a:t>Good code management</a:t>
+            </a:r>
+            <a:endParaRPr lang="en-US" dirty="0"/>
+          </a:p>
+        </p:txBody>
+      </p:sp>
+      <p:sp>
+        <p:nvSpPr>
+          <p:cNvPr id="4" name="Slide Number Placeholder 3"/>
+          <p:cNvSpPr>
+            <a:spLocks noGrp="1"/>
+          </p:cNvSpPr>
+          <p:nvPr>
+            <p:ph type="sldNum" sz="quarter" idx="10"/>
+          </p:nvPr>
+        </p:nvSpPr>
+        <p:spPr/>
+        <p:txBody>
+          <a:bodyPr/>
+          <a:lstStyle/>
+          <a:p>
+            <a:pPr>
+              <a:defRPr/>
+            </a:pPr>
+            <a:fld id="{76F0AFAE-E0DF-4756-9D50-97DCD3BB6F0C}" type="slidenum">
+              <a:rPr lang="en-GB" smtClean="0"/>
+              <a:pPr>
+                <a:defRPr/>
+              </a:pPr>
+              <a:t>23</a:t>
+            </a:fld>
+            <a:endParaRPr lang="en-GB"/>
+          </a:p>
+        </p:txBody>
+      </p:sp>
+    </p:spTree>
+    <p:extLst>
+      <p:ext uri="{BB962C8B-B14F-4D97-AF65-F5344CB8AC3E}">
+        <p14:creationId xmlns:p14="http://schemas.microsoft.com/office/powerpoint/2010/main" val="3987638571"/>
+      </p:ext>
+    </p:extLst>
+  </p:cSld>
+  <p:clrMapOvr>
+    <a:masterClrMapping/>
+  </p:clrMapOvr>
+</p:notes>
+</file>
+
+<file path=ppt/notesSlides/notesSlide18.xml><?xml version="1.0" encoding="utf-8"?>
+<p:notes xmlns:a="http://schemas.openxmlformats.org/drawingml/2006/main" xmlns:r="http://schemas.openxmlformats.org/officeDocument/2006/relationships" xmlns:p="http://schemas.openxmlformats.org/presentationml/2006/main">
+  <p:cSld>
+    <p:spTree>
+      <p:nvGrpSpPr>
+        <p:cNvPr id="1" name=""/>
+        <p:cNvGrpSpPr/>
+        <p:nvPr/>
+      </p:nvGrpSpPr>
+      <p:grpSpPr>
+        <a:xfrm>
+          <a:off x="0" y="0"/>
+          <a:ext cx="0" cy="0"/>
+          <a:chOff x="0" y="0"/>
+          <a:chExt cx="0" cy="0"/>
+        </a:xfrm>
+      </p:grpSpPr>
+      <p:sp>
+        <p:nvSpPr>
+          <p:cNvPr id="2" name="Slide Image Placeholder 1"/>
+          <p:cNvSpPr>
+            <a:spLocks noGrp="1" noRot="1" noChangeAspect="1"/>
+          </p:cNvSpPr>
+          <p:nvPr>
+            <p:ph type="sldImg"/>
+          </p:nvPr>
+        </p:nvSpPr>
+        <p:spPr/>
+      </p:sp>
+      <p:sp>
+        <p:nvSpPr>
+          <p:cNvPr id="3" name="Notes Placeholder 2"/>
+          <p:cNvSpPr>
+            <a:spLocks noGrp="1"/>
+          </p:cNvSpPr>
+          <p:nvPr>
+            <p:ph type="body" idx="1"/>
+          </p:nvPr>
+        </p:nvSpPr>
+        <p:spPr/>
+        <p:txBody>
+          <a:bodyPr/>
+          <a:lstStyle/>
+          <a:p>
+            <a:r>
+              <a:rPr lang="gl-ES" dirty="0" smtClean="0"/>
+              <a:t>This records can be instantiated in the model</a:t>
+            </a:r>
+            <a:r>
+              <a:rPr lang="gl-ES" baseline="0" dirty="0" smtClean="0"/>
+              <a:t> so that you can refer them afterwards with the dot notation</a:t>
+            </a:r>
+            <a:endParaRPr lang="en-US" dirty="0"/>
+          </a:p>
+        </p:txBody>
+      </p:sp>
+      <p:sp>
+        <p:nvSpPr>
+          <p:cNvPr id="4" name="Slide Number Placeholder 3"/>
+          <p:cNvSpPr>
+            <a:spLocks noGrp="1"/>
+          </p:cNvSpPr>
+          <p:nvPr>
+            <p:ph type="sldNum" sz="quarter" idx="10"/>
+          </p:nvPr>
+        </p:nvSpPr>
+        <p:spPr/>
+        <p:txBody>
+          <a:bodyPr/>
+          <a:lstStyle/>
+          <a:p>
+            <a:pPr>
+              <a:defRPr/>
+            </a:pPr>
+            <a:fld id="{76F0AFAE-E0DF-4756-9D50-97DCD3BB6F0C}" type="slidenum">
+              <a:rPr lang="en-GB" smtClean="0"/>
+              <a:pPr>
+                <a:defRPr/>
+              </a:pPr>
+              <a:t>24</a:t>
+            </a:fld>
+            <a:endParaRPr lang="en-GB"/>
+          </a:p>
+        </p:txBody>
+      </p:sp>
+    </p:spTree>
+    <p:extLst>
+      <p:ext uri="{BB962C8B-B14F-4D97-AF65-F5344CB8AC3E}">
+        <p14:creationId xmlns:p14="http://schemas.microsoft.com/office/powerpoint/2010/main" val="164754268"/>
+      </p:ext>
+    </p:extLst>
+  </p:cSld>
+  <p:clrMapOvr>
+    <a:masterClrMapping/>
+  </p:clrMapOvr>
+</p:notes>
+</file>
+
+<file path=ppt/notesSlides/notesSlide19.xml><?xml version="1.0" encoding="utf-8"?>
+<p:notes xmlns:a="http://schemas.openxmlformats.org/drawingml/2006/main" xmlns:r="http://schemas.openxmlformats.org/officeDocument/2006/relationships" xmlns:p="http://schemas.openxmlformats.org/presentationml/2006/main">
+  <p:cSld>
+    <p:spTree>
+      <p:nvGrpSpPr>
+        <p:cNvPr id="1" name=""/>
+        <p:cNvGrpSpPr/>
+        <p:nvPr/>
+      </p:nvGrpSpPr>
+      <p:grpSpPr>
+        <a:xfrm>
+          <a:off x="0" y="0"/>
+          <a:ext cx="0" cy="0"/>
+          <a:chOff x="0" y="0"/>
+          <a:chExt cx="0" cy="0"/>
+        </a:xfrm>
+      </p:grpSpPr>
+      <p:sp>
+        <p:nvSpPr>
+          <p:cNvPr id="2" name="Slide Image Placeholder 1"/>
+          <p:cNvSpPr>
+            <a:spLocks noGrp="1" noRot="1" noChangeAspect="1"/>
+          </p:cNvSpPr>
+          <p:nvPr>
+            <p:ph type="sldImg"/>
+          </p:nvPr>
+        </p:nvSpPr>
+        <p:spPr/>
+      </p:sp>
+      <p:sp>
+        <p:nvSpPr>
+          <p:cNvPr id="3" name="Notes Placeholder 2"/>
+          <p:cNvSpPr>
+            <a:spLocks noGrp="1"/>
+          </p:cNvSpPr>
+          <p:nvPr>
+            <p:ph type="body" idx="1"/>
+          </p:nvPr>
+        </p:nvSpPr>
+        <p:spPr/>
+        <p:txBody>
+          <a:bodyPr/>
+          <a:lstStyle/>
+          <a:p>
+            <a:r>
+              <a:rPr lang="gl-ES" dirty="0" smtClean="0"/>
+              <a:t>It is also possible to create</a:t>
+            </a:r>
+            <a:r>
+              <a:rPr lang="gl-ES" baseline="0" dirty="0" smtClean="0"/>
+              <a:t> your own functions for later code use</a:t>
+            </a:r>
+          </a:p>
+          <a:p>
+            <a:r>
+              <a:rPr lang="gl-ES" baseline="0" dirty="0" smtClean="0"/>
+              <a:t>Define inputs and outputs</a:t>
+            </a:r>
+            <a:endParaRPr lang="en-US" dirty="0"/>
+          </a:p>
+        </p:txBody>
+      </p:sp>
+      <p:sp>
+        <p:nvSpPr>
+          <p:cNvPr id="4" name="Slide Number Placeholder 3"/>
+          <p:cNvSpPr>
+            <a:spLocks noGrp="1"/>
+          </p:cNvSpPr>
+          <p:nvPr>
+            <p:ph type="sldNum" sz="quarter" idx="10"/>
+          </p:nvPr>
+        </p:nvSpPr>
+        <p:spPr/>
+        <p:txBody>
+          <a:bodyPr/>
+          <a:lstStyle/>
+          <a:p>
+            <a:pPr>
+              <a:defRPr/>
+            </a:pPr>
+            <a:fld id="{76F0AFAE-E0DF-4756-9D50-97DCD3BB6F0C}" type="slidenum">
+              <a:rPr lang="en-GB" smtClean="0"/>
+              <a:pPr>
+                <a:defRPr/>
+              </a:pPr>
+              <a:t>25</a:t>
+            </a:fld>
+            <a:endParaRPr lang="en-GB"/>
+          </a:p>
+        </p:txBody>
+      </p:sp>
+    </p:spTree>
+    <p:extLst>
+      <p:ext uri="{BB962C8B-B14F-4D97-AF65-F5344CB8AC3E}">
+        <p14:creationId xmlns:p14="http://schemas.microsoft.com/office/powerpoint/2010/main" val="4216618419"/>
       </p:ext>
     </p:extLst>
   </p:cSld>
@@ -765,22 +1776,19 @@
           <a:p>
             <a:r>
               <a:rPr lang="gl-ES" dirty="0" smtClean="0"/>
-              <a:t>A-causal</a:t>
+              <a:t>Modelica is a language for modeling complex physical systems</a:t>
+            </a:r>
+          </a:p>
+          <a:p>
+            <a:r>
+              <a:rPr lang="gl-ES" dirty="0" smtClean="0"/>
+              <a:t>Model</a:t>
             </a:r>
             <a:r>
               <a:rPr lang="gl-ES" baseline="0" dirty="0" smtClean="0"/>
-              <a:t> modeling: Declarative languages just require the developer to define the problem at a higher level and leaves the solution to the simulation tool</a:t>
-            </a:r>
-          </a:p>
-          <a:p>
-            <a:r>
-              <a:rPr lang="gl-ES" baseline="0" dirty="0" smtClean="0"/>
-              <a:t>Block-oriented modeling: Procedural programs require the developer to define the order that calculations are to be done in</a:t>
-            </a:r>
-            <a:endParaRPr lang="en-US" dirty="0" smtClean="0"/>
-          </a:p>
-          <a:p>
-            <a:endParaRPr lang="en-US" dirty="0"/>
+              <a:t> – a representation of the reality with equations</a:t>
+            </a:r>
+            <a:endParaRPr lang="gl-ES" dirty="0" smtClean="0"/>
           </a:p>
         </p:txBody>
       </p:sp>
@@ -807,7 +1815,7 @@
               <a:pPr>
                 <a:defRPr/>
               </a:pPr>
-              <a:t>10</a:t>
+              <a:t>5</a:t>
             </a:fld>
             <a:endParaRPr lang="en-GB"/>
           </a:p>
@@ -816,7 +1824,293 @@
     </p:spTree>
     <p:extLst>
       <p:ext uri="{BB962C8B-B14F-4D97-AF65-F5344CB8AC3E}">
-        <p14:creationId xmlns:p14="http://schemas.microsoft.com/office/powerpoint/2010/main" val="381170832"/>
+        <p14:creationId xmlns:p14="http://schemas.microsoft.com/office/powerpoint/2010/main" val="1033979137"/>
+      </p:ext>
+    </p:extLst>
+  </p:cSld>
+  <p:clrMapOvr>
+    <a:masterClrMapping/>
+  </p:clrMapOvr>
+</p:notes>
+</file>
+
+<file path=ppt/notesSlides/notesSlide20.xml><?xml version="1.0" encoding="utf-8"?>
+<p:notes xmlns:a="http://schemas.openxmlformats.org/drawingml/2006/main" xmlns:r="http://schemas.openxmlformats.org/officeDocument/2006/relationships" xmlns:p="http://schemas.openxmlformats.org/presentationml/2006/main">
+  <p:cSld>
+    <p:spTree>
+      <p:nvGrpSpPr>
+        <p:cNvPr id="1" name=""/>
+        <p:cNvGrpSpPr/>
+        <p:nvPr/>
+      </p:nvGrpSpPr>
+      <p:grpSpPr>
+        <a:xfrm>
+          <a:off x="0" y="0"/>
+          <a:ext cx="0" cy="0"/>
+          <a:chOff x="0" y="0"/>
+          <a:chExt cx="0" cy="0"/>
+        </a:xfrm>
+      </p:grpSpPr>
+      <p:sp>
+        <p:nvSpPr>
+          <p:cNvPr id="2" name="Slide Image Placeholder 1"/>
+          <p:cNvSpPr>
+            <a:spLocks noGrp="1" noRot="1" noChangeAspect="1"/>
+          </p:cNvSpPr>
+          <p:nvPr>
+            <p:ph type="sldImg"/>
+          </p:nvPr>
+        </p:nvSpPr>
+        <p:spPr/>
+      </p:sp>
+      <p:sp>
+        <p:nvSpPr>
+          <p:cNvPr id="3" name="Notes Placeholder 2"/>
+          <p:cNvSpPr>
+            <a:spLocks noGrp="1"/>
+          </p:cNvSpPr>
+          <p:nvPr>
+            <p:ph type="body" idx="1"/>
+          </p:nvPr>
+        </p:nvSpPr>
+        <p:spPr/>
+        <p:txBody>
+          <a:bodyPr/>
+          <a:lstStyle/>
+          <a:p>
+            <a:r>
+              <a:rPr lang="gl-ES" dirty="0" smtClean="0"/>
+              <a:t>Modelica also</a:t>
+            </a:r>
+            <a:r>
+              <a:rPr lang="gl-ES" baseline="0" dirty="0" smtClean="0"/>
+              <a:t> have a series of blocks for causal modelling, used in the control systems</a:t>
+            </a:r>
+            <a:endParaRPr lang="en-US" dirty="0"/>
+          </a:p>
+        </p:txBody>
+      </p:sp>
+      <p:sp>
+        <p:nvSpPr>
+          <p:cNvPr id="4" name="Slide Number Placeholder 3"/>
+          <p:cNvSpPr>
+            <a:spLocks noGrp="1"/>
+          </p:cNvSpPr>
+          <p:nvPr>
+            <p:ph type="sldNum" sz="quarter" idx="10"/>
+          </p:nvPr>
+        </p:nvSpPr>
+        <p:spPr/>
+        <p:txBody>
+          <a:bodyPr/>
+          <a:lstStyle/>
+          <a:p>
+            <a:pPr>
+              <a:defRPr/>
+            </a:pPr>
+            <a:fld id="{76F0AFAE-E0DF-4756-9D50-97DCD3BB6F0C}" type="slidenum">
+              <a:rPr lang="en-GB" smtClean="0"/>
+              <a:pPr>
+                <a:defRPr/>
+              </a:pPr>
+              <a:t>26</a:t>
+            </a:fld>
+            <a:endParaRPr lang="en-GB"/>
+          </a:p>
+        </p:txBody>
+      </p:sp>
+    </p:spTree>
+    <p:extLst>
+      <p:ext uri="{BB962C8B-B14F-4D97-AF65-F5344CB8AC3E}">
+        <p14:creationId xmlns:p14="http://schemas.microsoft.com/office/powerpoint/2010/main" val="2439171546"/>
+      </p:ext>
+    </p:extLst>
+  </p:cSld>
+  <p:clrMapOvr>
+    <a:masterClrMapping/>
+  </p:clrMapOvr>
+</p:notes>
+</file>
+
+<file path=ppt/notesSlides/notesSlide21.xml><?xml version="1.0" encoding="utf-8"?>
+<p:notes xmlns:a="http://schemas.openxmlformats.org/drawingml/2006/main" xmlns:r="http://schemas.openxmlformats.org/officeDocument/2006/relationships" xmlns:p="http://schemas.openxmlformats.org/presentationml/2006/main">
+  <p:cSld>
+    <p:spTree>
+      <p:nvGrpSpPr>
+        <p:cNvPr id="1" name=""/>
+        <p:cNvGrpSpPr/>
+        <p:nvPr/>
+      </p:nvGrpSpPr>
+      <p:grpSpPr>
+        <a:xfrm>
+          <a:off x="0" y="0"/>
+          <a:ext cx="0" cy="0"/>
+          <a:chOff x="0" y="0"/>
+          <a:chExt cx="0" cy="0"/>
+        </a:xfrm>
+      </p:grpSpPr>
+      <p:sp>
+        <p:nvSpPr>
+          <p:cNvPr id="2" name="Slide Image Placeholder 1"/>
+          <p:cNvSpPr>
+            <a:spLocks noGrp="1" noRot="1" noChangeAspect="1"/>
+          </p:cNvSpPr>
+          <p:nvPr>
+            <p:ph type="sldImg"/>
+          </p:nvPr>
+        </p:nvSpPr>
+        <p:spPr/>
+      </p:sp>
+      <p:sp>
+        <p:nvSpPr>
+          <p:cNvPr id="3" name="Notes Placeholder 2"/>
+          <p:cNvSpPr>
+            <a:spLocks noGrp="1"/>
+          </p:cNvSpPr>
+          <p:nvPr>
+            <p:ph type="body" idx="1"/>
+          </p:nvPr>
+        </p:nvSpPr>
+        <p:spPr/>
+        <p:txBody>
+          <a:bodyPr/>
+          <a:lstStyle/>
+          <a:p>
+            <a:r>
+              <a:rPr lang="gl-ES" dirty="0" smtClean="0"/>
+              <a:t>No optimization</a:t>
+            </a:r>
+            <a:endParaRPr lang="en-US" dirty="0"/>
+          </a:p>
+        </p:txBody>
+      </p:sp>
+      <p:sp>
+        <p:nvSpPr>
+          <p:cNvPr id="4" name="Slide Number Placeholder 3"/>
+          <p:cNvSpPr>
+            <a:spLocks noGrp="1"/>
+          </p:cNvSpPr>
+          <p:nvPr>
+            <p:ph type="sldNum" sz="quarter" idx="10"/>
+          </p:nvPr>
+        </p:nvSpPr>
+        <p:spPr/>
+        <p:txBody>
+          <a:bodyPr/>
+          <a:lstStyle/>
+          <a:p>
+            <a:pPr>
+              <a:defRPr/>
+            </a:pPr>
+            <a:fld id="{76F0AFAE-E0DF-4756-9D50-97DCD3BB6F0C}" type="slidenum">
+              <a:rPr lang="en-GB" smtClean="0"/>
+              <a:pPr>
+                <a:defRPr/>
+              </a:pPr>
+              <a:t>29</a:t>
+            </a:fld>
+            <a:endParaRPr lang="en-GB"/>
+          </a:p>
+        </p:txBody>
+      </p:sp>
+    </p:spTree>
+    <p:extLst>
+      <p:ext uri="{BB962C8B-B14F-4D97-AF65-F5344CB8AC3E}">
+        <p14:creationId xmlns:p14="http://schemas.microsoft.com/office/powerpoint/2010/main" val="3361070767"/>
+      </p:ext>
+    </p:extLst>
+  </p:cSld>
+  <p:clrMapOvr>
+    <a:masterClrMapping/>
+  </p:clrMapOvr>
+</p:notes>
+</file>
+
+<file path=ppt/notesSlides/notesSlide22.xml><?xml version="1.0" encoding="utf-8"?>
+<p:notes xmlns:a="http://schemas.openxmlformats.org/drawingml/2006/main" xmlns:r="http://schemas.openxmlformats.org/officeDocument/2006/relationships" xmlns:p="http://schemas.openxmlformats.org/presentationml/2006/main">
+  <p:cSld>
+    <p:spTree>
+      <p:nvGrpSpPr>
+        <p:cNvPr id="1" name=""/>
+        <p:cNvGrpSpPr/>
+        <p:nvPr/>
+      </p:nvGrpSpPr>
+      <p:grpSpPr>
+        <a:xfrm>
+          <a:off x="0" y="0"/>
+          <a:ext cx="0" cy="0"/>
+          <a:chOff x="0" y="0"/>
+          <a:chExt cx="0" cy="0"/>
+        </a:xfrm>
+      </p:grpSpPr>
+      <p:sp>
+        <p:nvSpPr>
+          <p:cNvPr id="2" name="Slide Image Placeholder 1"/>
+          <p:cNvSpPr>
+            <a:spLocks noGrp="1" noRot="1" noChangeAspect="1"/>
+          </p:cNvSpPr>
+          <p:nvPr>
+            <p:ph type="sldImg"/>
+          </p:nvPr>
+        </p:nvSpPr>
+        <p:spPr/>
+      </p:sp>
+      <p:sp>
+        <p:nvSpPr>
+          <p:cNvPr id="3" name="Notes Placeholder 2"/>
+          <p:cNvSpPr>
+            <a:spLocks noGrp="1"/>
+          </p:cNvSpPr>
+          <p:nvPr>
+            <p:ph type="body" idx="1"/>
+          </p:nvPr>
+        </p:nvSpPr>
+        <p:spPr/>
+        <p:txBody>
+          <a:bodyPr/>
+          <a:lstStyle/>
+          <a:p>
+            <a:r>
+              <a:rPr lang="gl-ES" dirty="0" smtClean="0"/>
+              <a:t>Use check constantly</a:t>
+            </a:r>
+            <a:endParaRPr lang="en-US" dirty="0"/>
+          </a:p>
+        </p:txBody>
+      </p:sp>
+      <p:sp>
+        <p:nvSpPr>
+          <p:cNvPr id="4" name="Slide Number Placeholder 3"/>
+          <p:cNvSpPr>
+            <a:spLocks noGrp="1"/>
+          </p:cNvSpPr>
+          <p:nvPr>
+            <p:ph type="sldNum" sz="quarter" idx="10"/>
+          </p:nvPr>
+        </p:nvSpPr>
+        <p:spPr/>
+        <p:txBody>
+          <a:bodyPr/>
+          <a:lstStyle/>
+          <a:p>
+            <a:pPr>
+              <a:defRPr/>
+            </a:pPr>
+            <a:fld id="{76F0AFAE-E0DF-4756-9D50-97DCD3BB6F0C}" type="slidenum">
+              <a:rPr lang="en-GB" smtClean="0"/>
+              <a:pPr>
+                <a:defRPr/>
+              </a:pPr>
+              <a:t>32</a:t>
+            </a:fld>
+            <a:endParaRPr lang="en-GB"/>
+          </a:p>
+        </p:txBody>
+      </p:sp>
+    </p:spTree>
+    <p:extLst>
+      <p:ext uri="{BB962C8B-B14F-4D97-AF65-F5344CB8AC3E}">
+        <p14:creationId xmlns:p14="http://schemas.microsoft.com/office/powerpoint/2010/main" val="2995462516"/>
       </p:ext>
     </p:extLst>
   </p:cSld>
@@ -871,68 +2165,20 @@
           <a:lstStyle/>
           <a:p>
             <a:r>
-              <a:rPr lang="nl-NL" dirty="0" err="1" smtClean="0"/>
-              <a:t>Modelica</a:t>
-            </a:r>
-            <a:r>
-              <a:rPr lang="nl-NL" dirty="0" smtClean="0"/>
-              <a:t> is</a:t>
-            </a:r>
-            <a:r>
-              <a:rPr lang="nl-NL" baseline="0" dirty="0" smtClean="0"/>
-              <a:t> a </a:t>
-            </a:r>
-            <a:r>
-              <a:rPr lang="nl-NL" baseline="0" dirty="0" err="1" smtClean="0"/>
-              <a:t>programming</a:t>
-            </a:r>
-            <a:r>
-              <a:rPr lang="nl-NL" baseline="0" dirty="0" smtClean="0"/>
-              <a:t> </a:t>
-            </a:r>
-            <a:r>
-              <a:rPr lang="nl-NL" baseline="0" dirty="0" err="1" smtClean="0"/>
-              <a:t>language</a:t>
-            </a:r>
-            <a:r>
-              <a:rPr lang="nl-NL" baseline="0" dirty="0" smtClean="0"/>
-              <a:t>. </a:t>
-            </a:r>
-            <a:r>
-              <a:rPr lang="nl-NL" baseline="0" dirty="0" err="1" smtClean="0"/>
-              <a:t>Overview</a:t>
-            </a:r>
-            <a:r>
-              <a:rPr lang="nl-NL" baseline="0" dirty="0" smtClean="0"/>
-              <a:t> of </a:t>
-            </a:r>
-            <a:r>
-              <a:rPr lang="nl-NL" baseline="0" dirty="0" err="1" smtClean="0"/>
-              <a:t>the</a:t>
-            </a:r>
-            <a:r>
-              <a:rPr lang="nl-NL" baseline="0" dirty="0" smtClean="0"/>
-              <a:t> most important </a:t>
-            </a:r>
-            <a:r>
-              <a:rPr lang="nl-NL" baseline="0" dirty="0" err="1" smtClean="0"/>
-              <a:t>parts</a:t>
-            </a:r>
-            <a:r>
-              <a:rPr lang="nl-NL" baseline="0" dirty="0" smtClean="0"/>
-              <a:t> of </a:t>
-            </a:r>
-            <a:r>
-              <a:rPr lang="nl-NL" baseline="0" dirty="0" err="1" smtClean="0"/>
-              <a:t>the</a:t>
-            </a:r>
-            <a:r>
-              <a:rPr lang="nl-NL" baseline="0" dirty="0" smtClean="0"/>
-              <a:t> syntax</a:t>
-            </a:r>
-          </a:p>
-          <a:p>
-            <a:endParaRPr lang="nl-BE" dirty="0"/>
+              <a:rPr lang="gl-ES" dirty="0" smtClean="0"/>
+              <a:t>Modelica is a LANGUAGE!!!!</a:t>
+            </a:r>
+            <a:r>
+              <a:rPr lang="gl-ES" baseline="0" dirty="0" smtClean="0"/>
+              <a:t> – Important</a:t>
+            </a:r>
+          </a:p>
+          <a:p>
+            <a:r>
+              <a:rPr lang="gl-ES" baseline="0" dirty="0" smtClean="0"/>
+              <a:t>Tools that work using this language – Dymola, Openmodelica...</a:t>
+            </a:r>
+            <a:endParaRPr lang="en-US" dirty="0"/>
           </a:p>
         </p:txBody>
       </p:sp>
@@ -959,7 +2205,7 @@
               <a:pPr>
                 <a:defRPr/>
               </a:pPr>
-              <a:t>12</a:t>
+              <a:t>6</a:t>
             </a:fld>
             <a:endParaRPr lang="en-GB"/>
           </a:p>
@@ -968,7 +2214,7 @@
     </p:spTree>
     <p:extLst>
       <p:ext uri="{BB962C8B-B14F-4D97-AF65-F5344CB8AC3E}">
-        <p14:creationId xmlns:p14="http://schemas.microsoft.com/office/powerpoint/2010/main" val="3710368824"/>
+        <p14:creationId xmlns:p14="http://schemas.microsoft.com/office/powerpoint/2010/main" val="4264059906"/>
       </p:ext>
     </p:extLst>
   </p:cSld>
@@ -1024,11 +2270,11 @@
           <a:p>
             <a:r>
               <a:rPr lang="gl-ES" dirty="0" smtClean="0"/>
-              <a:t>A</a:t>
+              <a:t>In Modelica Standard</a:t>
             </a:r>
             <a:r>
               <a:rPr lang="gl-ES" baseline="0" dirty="0" smtClean="0"/>
-              <a:t> lot of types defined in the Modelica standard library Modelica.SIunits.Type</a:t>
+              <a:t> Library we can find Mechanical, Electrical, Thermal... components</a:t>
             </a:r>
             <a:endParaRPr lang="en-US" dirty="0"/>
           </a:p>
@@ -1057,7 +2303,7 @@
               <a:pPr>
                 <a:defRPr/>
               </a:pPr>
-              <a:t>14</a:t>
+              <a:t>7</a:t>
             </a:fld>
             <a:endParaRPr lang="en-GB"/>
           </a:p>
@@ -1066,7 +2312,7 @@
     </p:spTree>
     <p:extLst>
       <p:ext uri="{BB962C8B-B14F-4D97-AF65-F5344CB8AC3E}">
-        <p14:creationId xmlns:p14="http://schemas.microsoft.com/office/powerpoint/2010/main" val="161165921"/>
+        <p14:creationId xmlns:p14="http://schemas.microsoft.com/office/powerpoint/2010/main" val="1629643573"/>
       </p:ext>
     </p:extLst>
   </p:cSld>
@@ -1147,7 +2393,7 @@
               <a:pPr>
                 <a:defRPr/>
               </a:pPr>
-              <a:t>19</a:t>
+              <a:t>8</a:t>
             </a:fld>
             <a:endParaRPr lang="en-GB"/>
           </a:p>
@@ -1156,7 +2402,7 @@
     </p:spTree>
     <p:extLst>
       <p:ext uri="{BB962C8B-B14F-4D97-AF65-F5344CB8AC3E}">
-        <p14:creationId xmlns:p14="http://schemas.microsoft.com/office/powerpoint/2010/main" val="1826976993"/>
+        <p14:creationId xmlns:p14="http://schemas.microsoft.com/office/powerpoint/2010/main" val="2278659683"/>
       </p:ext>
     </p:extLst>
   </p:cSld>
@@ -1212,7 +2458,17 @@
           <a:p>
             <a:r>
               <a:rPr lang="gl-ES" dirty="0" smtClean="0"/>
-              <a:t>Use check constantly</a:t>
+              <a:t>A-causal</a:t>
+            </a:r>
+            <a:r>
+              <a:rPr lang="gl-ES" baseline="0" dirty="0" smtClean="0"/>
+              <a:t> modeling: Declarative languages just require the developer to define the problem at a higher level and leaves the solution to the simulation tool</a:t>
+            </a:r>
+          </a:p>
+          <a:p>
+            <a:r>
+              <a:rPr lang="gl-ES" baseline="0" dirty="0" smtClean="0"/>
+              <a:t>Block-oriented modeling: Procedural programs require the developer to define the order that calculations are to be done in</a:t>
             </a:r>
             <a:endParaRPr lang="en-US" dirty="0"/>
           </a:p>
@@ -1241,7 +2497,7 @@
               <a:pPr>
                 <a:defRPr/>
               </a:pPr>
-              <a:t>32</a:t>
+              <a:t>9</a:t>
             </a:fld>
             <a:endParaRPr lang="en-GB"/>
           </a:p>
@@ -1250,7 +2506,364 @@
     </p:spTree>
     <p:extLst>
       <p:ext uri="{BB962C8B-B14F-4D97-AF65-F5344CB8AC3E}">
-        <p14:creationId xmlns:p14="http://schemas.microsoft.com/office/powerpoint/2010/main" val="2995462516"/>
+        <p14:creationId xmlns:p14="http://schemas.microsoft.com/office/powerpoint/2010/main" val="3552275882"/>
+      </p:ext>
+    </p:extLst>
+  </p:cSld>
+  <p:clrMapOvr>
+    <a:masterClrMapping/>
+  </p:clrMapOvr>
+</p:notes>
+</file>
+
+<file path=ppt/notesSlides/notesSlide7.xml><?xml version="1.0" encoding="utf-8"?>
+<p:notes xmlns:a="http://schemas.openxmlformats.org/drawingml/2006/main" xmlns:r="http://schemas.openxmlformats.org/officeDocument/2006/relationships" xmlns:p="http://schemas.openxmlformats.org/presentationml/2006/main">
+  <p:cSld>
+    <p:spTree>
+      <p:nvGrpSpPr>
+        <p:cNvPr id="1" name=""/>
+        <p:cNvGrpSpPr/>
+        <p:nvPr/>
+      </p:nvGrpSpPr>
+      <p:grpSpPr>
+        <a:xfrm>
+          <a:off x="0" y="0"/>
+          <a:ext cx="0" cy="0"/>
+          <a:chOff x="0" y="0"/>
+          <a:chExt cx="0" cy="0"/>
+        </a:xfrm>
+      </p:grpSpPr>
+      <p:sp>
+        <p:nvSpPr>
+          <p:cNvPr id="2" name="Slide Image Placeholder 1"/>
+          <p:cNvSpPr>
+            <a:spLocks noGrp="1" noRot="1" noChangeAspect="1"/>
+          </p:cNvSpPr>
+          <p:nvPr>
+            <p:ph type="sldImg"/>
+          </p:nvPr>
+        </p:nvSpPr>
+        <p:spPr/>
+      </p:sp>
+      <p:sp>
+        <p:nvSpPr>
+          <p:cNvPr id="3" name="Notes Placeholder 2"/>
+          <p:cNvSpPr>
+            <a:spLocks noGrp="1"/>
+          </p:cNvSpPr>
+          <p:nvPr>
+            <p:ph type="body" idx="1"/>
+          </p:nvPr>
+        </p:nvSpPr>
+        <p:spPr/>
+        <p:txBody>
+          <a:bodyPr/>
+          <a:lstStyle/>
+          <a:p>
+            <a:r>
+              <a:rPr lang="gl-ES" dirty="0" smtClean="0"/>
+              <a:t>A-causal</a:t>
+            </a:r>
+            <a:r>
+              <a:rPr lang="gl-ES" baseline="0" dirty="0" smtClean="0"/>
+              <a:t> modeling: Declarative languages just require the developer to define the problem at a higher level and leaves the solution to the simulation tool</a:t>
+            </a:r>
+          </a:p>
+          <a:p>
+            <a:r>
+              <a:rPr lang="gl-ES" baseline="0" dirty="0" smtClean="0"/>
+              <a:t>Block-oriented modeling: Procedural programs require the developer to define the order that calculations are to be done in</a:t>
+            </a:r>
+            <a:endParaRPr lang="en-US" dirty="0" smtClean="0"/>
+          </a:p>
+          <a:p>
+            <a:endParaRPr lang="en-US" dirty="0"/>
+          </a:p>
+        </p:txBody>
+      </p:sp>
+      <p:sp>
+        <p:nvSpPr>
+          <p:cNvPr id="4" name="Slide Number Placeholder 3"/>
+          <p:cNvSpPr>
+            <a:spLocks noGrp="1"/>
+          </p:cNvSpPr>
+          <p:nvPr>
+            <p:ph type="sldNum" sz="quarter" idx="10"/>
+          </p:nvPr>
+        </p:nvSpPr>
+        <p:spPr/>
+        <p:txBody>
+          <a:bodyPr/>
+          <a:lstStyle/>
+          <a:p>
+            <a:pPr>
+              <a:defRPr/>
+            </a:pPr>
+            <a:fld id="{76F0AFAE-E0DF-4756-9D50-97DCD3BB6F0C}" type="slidenum">
+              <a:rPr lang="en-GB" smtClean="0"/>
+              <a:pPr>
+                <a:defRPr/>
+              </a:pPr>
+              <a:t>10</a:t>
+            </a:fld>
+            <a:endParaRPr lang="en-GB"/>
+          </a:p>
+        </p:txBody>
+      </p:sp>
+    </p:spTree>
+    <p:extLst>
+      <p:ext uri="{BB962C8B-B14F-4D97-AF65-F5344CB8AC3E}">
+        <p14:creationId xmlns:p14="http://schemas.microsoft.com/office/powerpoint/2010/main" val="381170832"/>
+      </p:ext>
+    </p:extLst>
+  </p:cSld>
+  <p:clrMapOvr>
+    <a:masterClrMapping/>
+  </p:clrMapOvr>
+</p:notes>
+</file>
+
+<file path=ppt/notesSlides/notesSlide8.xml><?xml version="1.0" encoding="utf-8"?>
+<p:notes xmlns:a="http://schemas.openxmlformats.org/drawingml/2006/main" xmlns:r="http://schemas.openxmlformats.org/officeDocument/2006/relationships" xmlns:p="http://schemas.openxmlformats.org/presentationml/2006/main">
+  <p:cSld>
+    <p:spTree>
+      <p:nvGrpSpPr>
+        <p:cNvPr id="1" name=""/>
+        <p:cNvGrpSpPr/>
+        <p:nvPr/>
+      </p:nvGrpSpPr>
+      <p:grpSpPr>
+        <a:xfrm>
+          <a:off x="0" y="0"/>
+          <a:ext cx="0" cy="0"/>
+          <a:chOff x="0" y="0"/>
+          <a:chExt cx="0" cy="0"/>
+        </a:xfrm>
+      </p:grpSpPr>
+      <p:sp>
+        <p:nvSpPr>
+          <p:cNvPr id="2" name="Slide Image Placeholder 1"/>
+          <p:cNvSpPr>
+            <a:spLocks noGrp="1" noRot="1" noChangeAspect="1"/>
+          </p:cNvSpPr>
+          <p:nvPr>
+            <p:ph type="sldImg"/>
+          </p:nvPr>
+        </p:nvSpPr>
+        <p:spPr/>
+      </p:sp>
+      <p:sp>
+        <p:nvSpPr>
+          <p:cNvPr id="3" name="Notes Placeholder 2"/>
+          <p:cNvSpPr>
+            <a:spLocks noGrp="1"/>
+          </p:cNvSpPr>
+          <p:nvPr>
+            <p:ph type="body" idx="1"/>
+          </p:nvPr>
+        </p:nvSpPr>
+        <p:spPr/>
+        <p:txBody>
+          <a:bodyPr/>
+          <a:lstStyle/>
+          <a:p>
+            <a:r>
+              <a:rPr lang="nl-NL" dirty="0" err="1" smtClean="0"/>
+              <a:t>Modelica</a:t>
+            </a:r>
+            <a:r>
+              <a:rPr lang="nl-NL" dirty="0" smtClean="0"/>
+              <a:t> is</a:t>
+            </a:r>
+            <a:r>
+              <a:rPr lang="nl-NL" baseline="0" dirty="0" smtClean="0"/>
+              <a:t> a </a:t>
+            </a:r>
+            <a:r>
+              <a:rPr lang="nl-NL" baseline="0" dirty="0" err="1" smtClean="0"/>
+              <a:t>programming</a:t>
+            </a:r>
+            <a:r>
+              <a:rPr lang="nl-NL" baseline="0" dirty="0" smtClean="0"/>
+              <a:t> </a:t>
+            </a:r>
+            <a:r>
+              <a:rPr lang="nl-NL" baseline="0" dirty="0" err="1" smtClean="0"/>
+              <a:t>language</a:t>
+            </a:r>
+            <a:r>
+              <a:rPr lang="nl-NL" baseline="0" dirty="0" smtClean="0"/>
+              <a:t>. </a:t>
+            </a:r>
+            <a:r>
+              <a:rPr lang="nl-NL" baseline="0" dirty="0" err="1" smtClean="0"/>
+              <a:t>Overview</a:t>
+            </a:r>
+            <a:r>
+              <a:rPr lang="nl-NL" baseline="0" dirty="0" smtClean="0"/>
+              <a:t> of </a:t>
+            </a:r>
+            <a:r>
+              <a:rPr lang="nl-NL" baseline="0" dirty="0" err="1" smtClean="0"/>
+              <a:t>the</a:t>
+            </a:r>
+            <a:r>
+              <a:rPr lang="nl-NL" baseline="0" dirty="0" smtClean="0"/>
+              <a:t> most important </a:t>
+            </a:r>
+            <a:r>
+              <a:rPr lang="nl-NL" baseline="0" dirty="0" err="1" smtClean="0"/>
+              <a:t>parts</a:t>
+            </a:r>
+            <a:r>
+              <a:rPr lang="nl-NL" baseline="0" dirty="0" smtClean="0"/>
+              <a:t> of </a:t>
+            </a:r>
+            <a:r>
+              <a:rPr lang="nl-NL" baseline="0" dirty="0" err="1" smtClean="0"/>
+              <a:t>the</a:t>
+            </a:r>
+            <a:r>
+              <a:rPr lang="nl-NL" baseline="0" dirty="0" smtClean="0"/>
+              <a:t> syntax</a:t>
+            </a:r>
+          </a:p>
+          <a:p>
+            <a:endParaRPr lang="nl-BE" dirty="0"/>
+          </a:p>
+        </p:txBody>
+      </p:sp>
+      <p:sp>
+        <p:nvSpPr>
+          <p:cNvPr id="4" name="Slide Number Placeholder 3"/>
+          <p:cNvSpPr>
+            <a:spLocks noGrp="1"/>
+          </p:cNvSpPr>
+          <p:nvPr>
+            <p:ph type="sldNum" sz="quarter" idx="10"/>
+          </p:nvPr>
+        </p:nvSpPr>
+        <p:spPr/>
+        <p:txBody>
+          <a:bodyPr/>
+          <a:lstStyle/>
+          <a:p>
+            <a:pPr>
+              <a:defRPr/>
+            </a:pPr>
+            <a:fld id="{76F0AFAE-E0DF-4756-9D50-97DCD3BB6F0C}" type="slidenum">
+              <a:rPr lang="en-GB" smtClean="0"/>
+              <a:pPr>
+                <a:defRPr/>
+              </a:pPr>
+              <a:t>12</a:t>
+            </a:fld>
+            <a:endParaRPr lang="en-GB"/>
+          </a:p>
+        </p:txBody>
+      </p:sp>
+    </p:spTree>
+    <p:extLst>
+      <p:ext uri="{BB962C8B-B14F-4D97-AF65-F5344CB8AC3E}">
+        <p14:creationId xmlns:p14="http://schemas.microsoft.com/office/powerpoint/2010/main" val="3710368824"/>
+      </p:ext>
+    </p:extLst>
+  </p:cSld>
+  <p:clrMapOvr>
+    <a:masterClrMapping/>
+  </p:clrMapOvr>
+</p:notes>
+</file>
+
+<file path=ppt/notesSlides/notesSlide9.xml><?xml version="1.0" encoding="utf-8"?>
+<p:notes xmlns:a="http://schemas.openxmlformats.org/drawingml/2006/main" xmlns:r="http://schemas.openxmlformats.org/officeDocument/2006/relationships" xmlns:p="http://schemas.openxmlformats.org/presentationml/2006/main">
+  <p:cSld>
+    <p:spTree>
+      <p:nvGrpSpPr>
+        <p:cNvPr id="1" name=""/>
+        <p:cNvGrpSpPr/>
+        <p:nvPr/>
+      </p:nvGrpSpPr>
+      <p:grpSpPr>
+        <a:xfrm>
+          <a:off x="0" y="0"/>
+          <a:ext cx="0" cy="0"/>
+          <a:chOff x="0" y="0"/>
+          <a:chExt cx="0" cy="0"/>
+        </a:xfrm>
+      </p:grpSpPr>
+      <p:sp>
+        <p:nvSpPr>
+          <p:cNvPr id="2" name="Slide Image Placeholder 1"/>
+          <p:cNvSpPr>
+            <a:spLocks noGrp="1" noRot="1" noChangeAspect="1"/>
+          </p:cNvSpPr>
+          <p:nvPr>
+            <p:ph type="sldImg"/>
+          </p:nvPr>
+        </p:nvSpPr>
+        <p:spPr/>
+      </p:sp>
+      <p:sp>
+        <p:nvSpPr>
+          <p:cNvPr id="3" name="Notes Placeholder 2"/>
+          <p:cNvSpPr>
+            <a:spLocks noGrp="1"/>
+          </p:cNvSpPr>
+          <p:nvPr>
+            <p:ph type="body" idx="1"/>
+          </p:nvPr>
+        </p:nvSpPr>
+        <p:spPr/>
+        <p:txBody>
+          <a:bodyPr/>
+          <a:lstStyle/>
+          <a:p>
+            <a:r>
+              <a:rPr lang="gl-ES" dirty="0" smtClean="0"/>
+              <a:t>A</a:t>
+            </a:r>
+            <a:r>
+              <a:rPr lang="gl-ES" baseline="0" dirty="0" smtClean="0"/>
+              <a:t> lot of types defined in the Modelica standard library Modelica.SIunits.Type</a:t>
+            </a:r>
+            <a:endParaRPr lang="en-US" dirty="0"/>
+          </a:p>
+        </p:txBody>
+      </p:sp>
+      <p:sp>
+        <p:nvSpPr>
+          <p:cNvPr id="4" name="Slide Number Placeholder 3"/>
+          <p:cNvSpPr>
+            <a:spLocks noGrp="1"/>
+          </p:cNvSpPr>
+          <p:nvPr>
+            <p:ph type="sldNum" sz="quarter" idx="10"/>
+          </p:nvPr>
+        </p:nvSpPr>
+        <p:spPr/>
+        <p:txBody>
+          <a:bodyPr/>
+          <a:lstStyle/>
+          <a:p>
+            <a:pPr>
+              <a:defRPr/>
+            </a:pPr>
+            <a:fld id="{76F0AFAE-E0DF-4756-9D50-97DCD3BB6F0C}" type="slidenum">
+              <a:rPr lang="en-GB" smtClean="0"/>
+              <a:pPr>
+                <a:defRPr/>
+              </a:pPr>
+              <a:t>14</a:t>
+            </a:fld>
+            <a:endParaRPr lang="en-GB"/>
+          </a:p>
+        </p:txBody>
+      </p:sp>
+    </p:spTree>
+    <p:extLst>
+      <p:ext uri="{BB962C8B-B14F-4D97-AF65-F5344CB8AC3E}">
+        <p14:creationId xmlns:p14="http://schemas.microsoft.com/office/powerpoint/2010/main" val="161165921"/>
       </p:ext>
     </p:extLst>
   </p:cSld>
@@ -2351,7 +3964,7 @@
             <a:fld id="{C4DDCD72-59EE-436D-B435-201699A5BB49}" type="datetimeFigureOut">
               <a:rPr lang="nl-BE" smtClean="0"/>
               <a:pPr/>
-              <a:t>27/04/2017</a:t>
+              <a:t>2/05/2017</a:t>
             </a:fld>
             <a:endParaRPr lang="nl-BE" dirty="0"/>
           </a:p>
@@ -3040,7 +4653,7 @@
             <a:fld id="{C4DDCD72-59EE-436D-B435-201699A5BB49}" type="datetimeFigureOut">
               <a:rPr lang="nl-BE" smtClean="0"/>
               <a:pPr/>
-              <a:t>27/04/2017</a:t>
+              <a:t>2/05/2017</a:t>
             </a:fld>
             <a:endParaRPr lang="nl-BE"/>
           </a:p>
@@ -3479,7 +5092,7 @@
             <a:fld id="{C4DDCD72-59EE-436D-B435-201699A5BB49}" type="datetimeFigureOut">
               <a:rPr lang="nl-BE" smtClean="0"/>
               <a:pPr/>
-              <a:t>27/04/2017</a:t>
+              <a:t>2/05/2017</a:t>
             </a:fld>
             <a:endParaRPr lang="nl-BE"/>
           </a:p>
@@ -3610,7 +5223,7 @@
             <a:fld id="{C4DDCD72-59EE-436D-B435-201699A5BB49}" type="datetimeFigureOut">
               <a:rPr lang="nl-BE" smtClean="0"/>
               <a:pPr/>
-              <a:t>27/04/2017</a:t>
+              <a:t>2/05/2017</a:t>
             </a:fld>
             <a:endParaRPr lang="nl-BE"/>
           </a:p>
@@ -3714,7 +5327,7 @@
             <a:fld id="{C4DDCD72-59EE-436D-B435-201699A5BB49}" type="datetimeFigureOut">
               <a:rPr lang="nl-BE" smtClean="0"/>
               <a:pPr/>
-              <a:t>27/04/2017</a:t>
+              <a:t>2/05/2017</a:t>
             </a:fld>
             <a:endParaRPr lang="nl-BE"/>
           </a:p>
@@ -4007,7 +5620,7 @@
             <a:fld id="{C4DDCD72-59EE-436D-B435-201699A5BB49}" type="datetimeFigureOut">
               <a:rPr lang="nl-BE" smtClean="0"/>
               <a:pPr/>
-              <a:t>27/04/2017</a:t>
+              <a:t>2/05/2017</a:t>
             </a:fld>
             <a:endParaRPr lang="nl-BE"/>
           </a:p>
@@ -4138,7 +5751,7 @@
             <a:fld id="{C4DDCD72-59EE-436D-B435-201699A5BB49}" type="datetimeFigureOut">
               <a:rPr lang="nl-BE" smtClean="0"/>
               <a:pPr/>
-              <a:t>27/04/2017</a:t>
+              <a:t>2/05/2017</a:t>
             </a:fld>
             <a:endParaRPr lang="nl-BE" dirty="0"/>
           </a:p>
@@ -4537,7 +6150,7 @@
             <a:fld id="{C4DDCD72-59EE-436D-B435-201699A5BB49}" type="datetimeFigureOut">
               <a:rPr lang="nl-BE" smtClean="0"/>
               <a:pPr/>
-              <a:t>27/04/2017</a:t>
+              <a:t>2/05/2017</a:t>
             </a:fld>
             <a:endParaRPr lang="nl-BE" dirty="0"/>
           </a:p>
@@ -5100,7 +6713,7 @@
             <a:fld id="{C4DDCD72-59EE-436D-B435-201699A5BB49}" type="datetimeFigureOut">
               <a:rPr lang="nl-BE" smtClean="0"/>
               <a:pPr/>
-              <a:t>27/04/2017</a:t>
+              <a:t>2/05/2017</a:t>
             </a:fld>
             <a:endParaRPr lang="nl-BE"/>
           </a:p>
@@ -5539,7 +7152,7 @@
             <a:fld id="{C4DDCD72-59EE-436D-B435-201699A5BB49}" type="datetimeFigureOut">
               <a:rPr lang="nl-BE" smtClean="0"/>
               <a:pPr/>
-              <a:t>27/04/2017</a:t>
+              <a:t>2/05/2017</a:t>
             </a:fld>
             <a:endParaRPr lang="nl-BE"/>
           </a:p>
@@ -5670,7 +7283,7 @@
             <a:fld id="{C4DDCD72-59EE-436D-B435-201699A5BB49}" type="datetimeFigureOut">
               <a:rPr lang="nl-BE" smtClean="0"/>
               <a:pPr/>
-              <a:t>27/04/2017</a:t>
+              <a:t>2/05/2017</a:t>
             </a:fld>
             <a:endParaRPr lang="nl-BE"/>
           </a:p>
@@ -5774,7 +7387,7 @@
             <a:fld id="{C4DDCD72-59EE-436D-B435-201699A5BB49}" type="datetimeFigureOut">
               <a:rPr lang="nl-BE" smtClean="0"/>
               <a:pPr/>
-              <a:t>27/04/2017</a:t>
+              <a:t>2/05/2017</a:t>
             </a:fld>
             <a:endParaRPr lang="nl-BE"/>
           </a:p>
@@ -6063,7 +7676,7 @@
             <a:fld id="{C4DDCD72-59EE-436D-B435-201699A5BB49}" type="datetimeFigureOut">
               <a:rPr lang="nl-BE" smtClean="0"/>
               <a:pPr/>
-              <a:t>27/04/2017</a:t>
+              <a:t>2/05/2017</a:t>
             </a:fld>
             <a:endParaRPr lang="nl-BE"/>
           </a:p>
@@ -6336,7 +7949,7 @@
             <a:fld id="{C4DDCD72-59EE-436D-B435-201699A5BB49}" type="datetimeFigureOut">
               <a:rPr lang="nl-BE" smtClean="0"/>
               <a:pPr/>
-              <a:t>27/04/2017</a:t>
+              <a:t>2/05/2017</a:t>
             </a:fld>
             <a:endParaRPr lang="nl-BE" dirty="0"/>
           </a:p>
@@ -6563,7 +8176,7 @@
             <a:fld id="{C4DDCD72-59EE-436D-B435-201699A5BB49}" type="datetimeFigureOut">
               <a:rPr lang="nl-BE" smtClean="0"/>
               <a:pPr/>
-              <a:t>27/04/2017</a:t>
+              <a:t>2/05/2017</a:t>
             </a:fld>
             <a:endParaRPr lang="nl-BE" dirty="0"/>
           </a:p>
@@ -7191,7 +8804,7 @@
             <a:fld id="{C4DDCD72-59EE-436D-B435-201699A5BB49}" type="datetimeFigureOut">
               <a:rPr lang="nl-BE" smtClean="0"/>
               <a:pPr/>
-              <a:t>27/04/2017</a:t>
+              <a:t>2/05/2017</a:t>
             </a:fld>
             <a:endParaRPr lang="nl-BE" dirty="0"/>
           </a:p>
@@ -7741,29 +9354,20 @@
               <a:rPr lang="en-US" sz="2400" dirty="0" smtClean="0">
                 <a:latin typeface="+mj-lt"/>
               </a:rPr>
-              <a:t>,   </a:t>
+              <a:t>,   Bram van der </a:t>
+            </a:r>
+            <a:r>
+              <a:rPr lang="en-US" sz="2400" dirty="0" err="1" smtClean="0">
+                <a:latin typeface="+mj-lt"/>
+              </a:rPr>
+              <a:t>Heijde</a:t>
             </a:r>
             <a:r>
               <a:rPr lang="en-US" sz="2400" dirty="0" smtClean="0">
                 <a:latin typeface="+mj-lt"/>
               </a:rPr>
-              <a:t>Bram van der </a:t>
-            </a:r>
-            <a:r>
-              <a:rPr lang="en-US" sz="2400" dirty="0" err="1" smtClean="0">
-                <a:latin typeface="+mj-lt"/>
-              </a:rPr>
-              <a:t>Heijde</a:t>
-            </a:r>
-            <a:r>
-              <a:rPr lang="en-US" sz="2400" dirty="0" smtClean="0">
-                <a:latin typeface="+mj-lt"/>
-              </a:rPr>
               <a:t> &amp; Iago Cupeiro Figueroa</a:t>
             </a:r>
-            <a:endParaRPr lang="en-US" sz="2400" dirty="0" smtClean="0">
-              <a:latin typeface="+mj-lt"/>
-            </a:endParaRPr>
           </a:p>
           <a:p>
             <a:pPr eaLnBrk="1" hangingPunct="1">
@@ -7910,9 +9514,6 @@
               </a:rPr>
               <a:t>, 2017</a:t>
             </a:r>
-            <a:endParaRPr lang="en-US" sz="2000" dirty="0" smtClean="0">
-              <a:latin typeface="+mj-lt"/>
-            </a:endParaRPr>
           </a:p>
         </p:txBody>
       </p:sp>
@@ -7925,7 +9526,7 @@
           <p:nvPr/>
         </p:nvPicPr>
         <p:blipFill>
-          <a:blip r:embed="rId2" cstate="print">
+          <a:blip r:embed="rId3" cstate="print">
             <a:extLst>
               <a:ext uri="{28A0092B-C50C-407E-A947-70E740481C1C}">
                 <a14:useLocalDpi xmlns:a14="http://schemas.microsoft.com/office/drawing/2010/main" val="0"/>
@@ -10342,7 +11943,7 @@
           <p:nvPr/>
         </p:nvPicPr>
         <p:blipFill>
-          <a:blip r:embed="rId2"/>
+          <a:blip r:embed="rId3"/>
           <a:stretch>
             <a:fillRect/>
           </a:stretch>
@@ -11017,7 +12618,7 @@
           <p:nvPr/>
         </p:nvPicPr>
         <p:blipFill>
-          <a:blip r:embed="rId2">
+          <a:blip r:embed="rId3">
             <a:extLst>
               <a:ext uri="{28A0092B-C50C-407E-A947-70E740481C1C}">
                 <a14:useLocalDpi xmlns:a14="http://schemas.microsoft.com/office/drawing/2010/main" val="0"/>
@@ -11314,7 +12915,7 @@
           <p:nvPr/>
         </p:nvPicPr>
         <p:blipFill>
-          <a:blip r:embed="rId3"/>
+          <a:blip r:embed="rId4"/>
           <a:stretch>
             <a:fillRect/>
           </a:stretch>
@@ -11993,7 +13594,7 @@
           <p:nvPr/>
         </p:nvPicPr>
         <p:blipFill>
-          <a:blip r:embed="rId2">
+          <a:blip r:embed="rId3">
             <a:extLst>
               <a:ext uri="{28A0092B-C50C-407E-A947-70E740481C1C}">
                 <a14:useLocalDpi xmlns:a14="http://schemas.microsoft.com/office/drawing/2010/main" val="0"/>
@@ -12365,7 +13966,7 @@
           <p:nvPr/>
         </p:nvPicPr>
         <p:blipFill>
-          <a:blip r:embed="rId2">
+          <a:blip r:embed="rId3">
             <a:extLst>
               <a:ext uri="{28A0092B-C50C-407E-A947-70E740481C1C}">
                 <a14:useLocalDpi xmlns:a14="http://schemas.microsoft.com/office/drawing/2010/main" val="0"/>
@@ -12738,7 +14339,7 @@
           <p:nvPr/>
         </p:nvPicPr>
         <p:blipFill>
-          <a:blip r:embed="rId2">
+          <a:blip r:embed="rId3">
             <a:extLst>
               <a:ext uri="{28A0092B-C50C-407E-A947-70E740481C1C}">
                 <a14:useLocalDpi xmlns:a14="http://schemas.microsoft.com/office/drawing/2010/main" val="0"/>
@@ -12792,7 +14393,7 @@
           <p:nvPr/>
         </p:nvPicPr>
         <p:blipFill>
-          <a:blip r:embed="rId3">
+          <a:blip r:embed="rId4">
             <a:extLst>
               <a:ext uri="{28A0092B-C50C-407E-A947-70E740481C1C}">
                 <a14:useLocalDpi xmlns:a14="http://schemas.microsoft.com/office/drawing/2010/main" val="0"/>
@@ -13284,7 +14885,7 @@
           <p:nvPr/>
         </p:nvPicPr>
         <p:blipFill>
-          <a:blip r:embed="rId2">
+          <a:blip r:embed="rId3">
             <a:extLst>
               <a:ext uri="{28A0092B-C50C-407E-A947-70E740481C1C}">
                 <a14:useLocalDpi xmlns:a14="http://schemas.microsoft.com/office/drawing/2010/main" val="0"/>
@@ -14095,7 +15696,7 @@
           <p:nvPr/>
         </p:nvPicPr>
         <p:blipFill>
-          <a:blip r:embed="rId2"/>
+          <a:blip r:embed="rId3"/>
           <a:stretch>
             <a:fillRect/>
           </a:stretch>
@@ -14333,7 +15934,7 @@
           <p:nvPr/>
         </p:nvPicPr>
         <p:blipFill>
-          <a:blip r:embed="rId2"/>
+          <a:blip r:embed="rId3"/>
           <a:stretch>
             <a:fillRect/>
           </a:stretch>
@@ -14357,7 +15958,7 @@
           <p:nvPr/>
         </p:nvPicPr>
         <p:blipFill>
-          <a:blip r:embed="rId3"/>
+          <a:blip r:embed="rId4"/>
           <a:stretch>
             <a:fillRect/>
           </a:stretch>
@@ -14492,7 +16093,7 @@
           <p:nvPr/>
         </p:nvPicPr>
         <p:blipFill>
-          <a:blip r:embed="rId2"/>
+          <a:blip r:embed="rId3"/>
           <a:stretch>
             <a:fillRect/>
           </a:stretch>
@@ -15562,7 +17163,7 @@
             </p:nvSpPr>
             <p:spPr>
               <a:blipFill rotWithShape="1">
-                <a:blip r:embed="rId2"/>
+                <a:blip r:embed="rId3"/>
                 <a:stretch>
                   <a:fillRect l="-2238" t="-2230"/>
                 </a:stretch>
@@ -15889,11 +17490,7 @@
                       </a:pPr>
                       <a:r>
                         <a:rPr lang="en-US" dirty="0" smtClean="0"/>
-                        <a:t>Coffee break </a:t>
-                      </a:r>
-                      <a:r>
-                        <a:rPr lang="en-US" dirty="0" smtClean="0"/>
-                        <a:t>&amp; </a:t>
+                        <a:t>Coffee break &amp; </a:t>
                       </a:r>
                       <a:r>
                         <a:rPr lang="en-US" dirty="0" err="1" smtClean="0"/>
@@ -15901,11 +17498,7 @@
                       </a:r>
                       <a:r>
                         <a:rPr lang="en-US" dirty="0" smtClean="0"/>
-                        <a:t> </a:t>
-                      </a:r>
-                      <a:r>
-                        <a:rPr lang="en-US" dirty="0" smtClean="0"/>
-                        <a:t>activation (in case)</a:t>
+                        <a:t> activation (in case)</a:t>
                       </a:r>
                       <a:endParaRPr lang="nl-BE" dirty="0"/>
                     </a:p>
@@ -16118,15 +17711,7 @@
                       </a:pPr>
                       <a:r>
                         <a:rPr lang="nl-NL" dirty="0" smtClean="0"/>
-                        <a:t>14:15 </a:t>
-                      </a:r>
-                      <a:r>
-                        <a:rPr lang="nl-NL" dirty="0" smtClean="0"/>
-                        <a:t>- </a:t>
-                      </a:r>
-                      <a:r>
-                        <a:rPr lang="nl-NL" dirty="0" smtClean="0"/>
-                        <a:t>17:30</a:t>
+                        <a:t>14:15 - 17:30</a:t>
                       </a:r>
                       <a:endParaRPr lang="nl-BE" dirty="0"/>
                     </a:p>
@@ -16155,7 +17740,6 @@
                         <a:rPr lang="en-US" dirty="0" smtClean="0"/>
                         <a:t>uilding model</a:t>
                       </a:r>
-                      <a:endParaRPr lang="en-US" dirty="0" smtClean="0"/>
                     </a:p>
                   </a:txBody>
                   <a:tcPr marL="50796" marR="50796" marT="50800" marB="50800"/>
@@ -16325,7 +17909,7 @@
         <p:spPr>
           <a:xfrm>
             <a:off x="600000" y="1499999"/>
-            <a:ext cx="6352208" cy="4920000"/>
+            <a:ext cx="6568232" cy="4920000"/>
           </a:xfrm>
         </p:spPr>
         <p:txBody>
@@ -16334,7 +17918,15 @@
           <a:p>
             <a:r>
               <a:rPr lang="nl-BE" dirty="0" smtClean="0"/>
-              <a:t>Packages are a way t </a:t>
+              <a:t>Packages are a way </a:t>
+            </a:r>
+            <a:r>
+              <a:rPr lang="nl-BE" dirty="0" err="1" smtClean="0"/>
+              <a:t>to</a:t>
+            </a:r>
+            <a:r>
+              <a:rPr lang="nl-BE" dirty="0" smtClean="0"/>
+              <a:t> </a:t>
             </a:r>
             <a:r>
               <a:rPr lang="nl-BE" dirty="0" err="1" smtClean="0"/>
@@ -16531,7 +18123,7 @@
         </p:blipFill>
         <p:spPr>
           <a:xfrm>
-            <a:off x="7168232" y="1433736"/>
+            <a:off x="7304211" y="1433736"/>
             <a:ext cx="2600325" cy="4257675"/>
           </a:xfrm>
           <a:prstGeom prst="rect">
@@ -19011,7 +20603,7 @@
           <p:nvPr/>
         </p:nvPicPr>
         <p:blipFill>
-          <a:blip r:embed="rId2">
+          <a:blip r:embed="rId3">
             <a:extLst>
               <a:ext uri="{28A0092B-C50C-407E-A947-70E740481C1C}">
                 <a14:useLocalDpi xmlns:a14="http://schemas.microsoft.com/office/drawing/2010/main" val="0"/>
@@ -19340,7 +20932,7 @@
           <p:nvPr/>
         </p:nvPicPr>
         <p:blipFill>
-          <a:blip r:embed="rId2">
+          <a:blip r:embed="rId3">
             <a:extLst>
               <a:ext uri="{28A0092B-C50C-407E-A947-70E740481C1C}">
                 <a14:useLocalDpi xmlns:a14="http://schemas.microsoft.com/office/drawing/2010/main" val="0"/>
@@ -19669,7 +21261,7 @@
           <p:nvPr/>
         </p:nvPicPr>
         <p:blipFill>
-          <a:blip r:embed="rId2">
+          <a:blip r:embed="rId3">
             <a:extLst>
               <a:ext uri="{28A0092B-C50C-407E-A947-70E740481C1C}">
                 <a14:useLocalDpi xmlns:a14="http://schemas.microsoft.com/office/drawing/2010/main" val="0"/>
@@ -19970,7 +21562,7 @@
           <p:nvPr/>
         </p:nvPicPr>
         <p:blipFill>
-          <a:blip r:embed="rId2">
+          <a:blip r:embed="rId3">
             <a:extLst>
               <a:ext uri="{28A0092B-C50C-407E-A947-70E740481C1C}">
                 <a14:useLocalDpi xmlns:a14="http://schemas.microsoft.com/office/drawing/2010/main" val="0"/>
